--- a/sum/Outline.pptx
+++ b/sum/Outline.pptx
@@ -5,13 +5,13 @@
     <p:sldMasterId id="2147483648" r:id="rId1"/>
   </p:sldMasterIdLst>
   <p:notesMasterIdLst>
-    <p:notesMasterId r:id="rId7"/>
+    <p:notesMasterId r:id="rId6"/>
   </p:notesMasterIdLst>
   <p:sldIdLst>
-    <p:sldId id="258" r:id="rId3"/>
-    <p:sldId id="296" r:id="rId4"/>
-    <p:sldId id="304" r:id="rId5"/>
-    <p:sldId id="305" r:id="rId6"/>
+    <p:sldId id="258" r:id="rId2"/>
+    <p:sldId id="296" r:id="rId3"/>
+    <p:sldId id="304" r:id="rId4"/>
+    <p:sldId id="305" r:id="rId5"/>
   </p:sldIdLst>
   <p:sldSz cx="12192000" cy="6858000"/>
   <p:notesSz cx="6858000" cy="9144000"/>
@@ -110,6 +110,14 @@
       </a:defRPr>
     </a:lvl9pPr>
   </p:defaultTextStyle>
+  <p:extLst>
+    <p:ext uri="{EFAFB233-063F-42B5-8137-9DF3F51BA10A}">
+      <p15:sldGuideLst xmlns:p15="http://schemas.microsoft.com/office/powerpoint/2012/main"/>
+    </p:ext>
+    <p:ext uri="{2D200454-40CA-4A62-9FC3-DE9A4176ACB9}">
+      <p15:notesGuideLst xmlns:p15="http://schemas.microsoft.com/office/powerpoint/2012/main"/>
+    </p:ext>
+  </p:extLst>
 </p:presentation>
 </file>
 
@@ -195,6 +203,7 @@
           <a:p>
             <a:fld id="{3EFD42F7-718C-4B98-AAEC-167E6DDD60A7}" type="datetimeFigureOut">
               <a:rPr lang="en-US" smtClean="0"/>
+              <a:t>9/24/2017</a:t>
             </a:fld>
             <a:endParaRPr lang="en-US"/>
           </a:p>
@@ -261,7 +270,6 @@
               <a:rPr lang="en-US" smtClean="0"/>
               <a:t>Click to edit Master text styles</a:t>
             </a:r>
-            <a:endParaRPr lang="en-US" smtClean="0"/>
           </a:p>
           <a:p>
             <a:pPr lvl="1"/>
@@ -269,7 +277,6 @@
               <a:rPr lang="en-US" smtClean="0"/>
               <a:t>Second level</a:t>
             </a:r>
-            <a:endParaRPr lang="en-US" smtClean="0"/>
           </a:p>
           <a:p>
             <a:pPr lvl="2"/>
@@ -277,7 +284,6 @@
               <a:rPr lang="en-US" smtClean="0"/>
               <a:t>Third level</a:t>
             </a:r>
-            <a:endParaRPr lang="en-US" smtClean="0"/>
           </a:p>
           <a:p>
             <a:pPr lvl="3"/>
@@ -285,7 +291,6 @@
               <a:rPr lang="en-US" smtClean="0"/>
               <a:t>Fourth level</a:t>
             </a:r>
-            <a:endParaRPr lang="en-US" smtClean="0"/>
           </a:p>
           <a:p>
             <a:pPr lvl="4"/>
@@ -357,12 +362,18 @@
           <a:p>
             <a:fld id="{21B2AA4F-B828-4D7C-AFD3-893933DAFCB4}" type="slidenum">
               <a:rPr lang="en-US" smtClean="0"/>
+              <a:t>‹#›</a:t>
             </a:fld>
             <a:endParaRPr lang="en-US"/>
           </a:p>
         </p:txBody>
       </p:sp>
     </p:spTree>
+    <p:extLst>
+      <p:ext uri="{BB962C8B-B14F-4D97-AF65-F5344CB8AC3E}">
+        <p14:creationId xmlns:p14="http://schemas.microsoft.com/office/powerpoint/2010/main" val="4094738939"/>
+      </p:ext>
+    </p:extLst>
   </p:cSld>
   <p:clrMap bg1="lt1" tx1="dk1" bg2="lt2" tx2="dk2" accent1="accent1" accent2="accent2" accent3="accent3" accent4="accent4" accent5="accent5" accent6="accent6" hlink="hlink" folHlink="folHlink"/>
   <p:notesStyle>
@@ -591,6 +602,7 @@
           <a:p>
             <a:fld id="{FDE934FF-F4E1-47C5-9CA5-30A81DDE2BE4}" type="datetimeFigureOut">
               <a:rPr lang="en-US" smtClean="0"/>
+              <a:t>9/24/2017</a:t>
             </a:fld>
             <a:endParaRPr lang="en-US"/>
           </a:p>
@@ -632,6 +644,7 @@
           <a:p>
             <a:fld id="{B3561BA9-CDCF-4958-B8AB-66F3BF063E13}" type="slidenum">
               <a:rPr lang="en-US" smtClean="0"/>
+              <a:t>‹#›</a:t>
             </a:fld>
             <a:endParaRPr lang="en-US"/>
           </a:p>
@@ -705,7 +718,6 @@
               <a:rPr lang="en-US" smtClean="0"/>
               <a:t>Click to edit Master text styles</a:t>
             </a:r>
-            <a:endParaRPr lang="en-US" smtClean="0"/>
           </a:p>
           <a:p>
             <a:pPr lvl="1"/>
@@ -713,7 +725,6 @@
               <a:rPr lang="en-US" smtClean="0"/>
               <a:t>Second level</a:t>
             </a:r>
-            <a:endParaRPr lang="en-US" smtClean="0"/>
           </a:p>
           <a:p>
             <a:pPr lvl="2"/>
@@ -721,7 +732,6 @@
               <a:rPr lang="en-US" smtClean="0"/>
               <a:t>Third level</a:t>
             </a:r>
-            <a:endParaRPr lang="en-US" smtClean="0"/>
           </a:p>
           <a:p>
             <a:pPr lvl="3"/>
@@ -729,7 +739,6 @@
               <a:rPr lang="en-US" smtClean="0"/>
               <a:t>Fourth level</a:t>
             </a:r>
-            <a:endParaRPr lang="en-US" smtClean="0"/>
           </a:p>
           <a:p>
             <a:pPr lvl="4"/>
@@ -758,6 +767,7 @@
           <a:p>
             <a:fld id="{FDE934FF-F4E1-47C5-9CA5-30A81DDE2BE4}" type="datetimeFigureOut">
               <a:rPr lang="en-US" smtClean="0"/>
+              <a:t>9/24/2017</a:t>
             </a:fld>
             <a:endParaRPr lang="en-US"/>
           </a:p>
@@ -799,6 +809,7 @@
           <a:p>
             <a:fld id="{B3561BA9-CDCF-4958-B8AB-66F3BF063E13}" type="slidenum">
               <a:rPr lang="en-US" smtClean="0"/>
+              <a:t>‹#›</a:t>
             </a:fld>
             <a:endParaRPr lang="en-US"/>
           </a:p>
@@ -882,7 +893,6 @@
               <a:rPr lang="en-US" smtClean="0"/>
               <a:t>Click to edit Master text styles</a:t>
             </a:r>
-            <a:endParaRPr lang="en-US" smtClean="0"/>
           </a:p>
           <a:p>
             <a:pPr lvl="1"/>
@@ -890,7 +900,6 @@
               <a:rPr lang="en-US" smtClean="0"/>
               <a:t>Second level</a:t>
             </a:r>
-            <a:endParaRPr lang="en-US" smtClean="0"/>
           </a:p>
           <a:p>
             <a:pPr lvl="2"/>
@@ -898,7 +907,6 @@
               <a:rPr lang="en-US" smtClean="0"/>
               <a:t>Third level</a:t>
             </a:r>
-            <a:endParaRPr lang="en-US" smtClean="0"/>
           </a:p>
           <a:p>
             <a:pPr lvl="3"/>
@@ -906,7 +914,6 @@
               <a:rPr lang="en-US" smtClean="0"/>
               <a:t>Fourth level</a:t>
             </a:r>
-            <a:endParaRPr lang="en-US" smtClean="0"/>
           </a:p>
           <a:p>
             <a:pPr lvl="4"/>
@@ -935,6 +942,7 @@
           <a:p>
             <a:fld id="{FDE934FF-F4E1-47C5-9CA5-30A81DDE2BE4}" type="datetimeFigureOut">
               <a:rPr lang="en-US" smtClean="0"/>
+              <a:t>9/24/2017</a:t>
             </a:fld>
             <a:endParaRPr lang="en-US"/>
           </a:p>
@@ -976,6 +984,7 @@
           <a:p>
             <a:fld id="{B3561BA9-CDCF-4958-B8AB-66F3BF063E13}" type="slidenum">
               <a:rPr lang="en-US" smtClean="0"/>
+              <a:t>‹#›</a:t>
             </a:fld>
             <a:endParaRPr lang="en-US"/>
           </a:p>
@@ -1049,7 +1058,6 @@
               <a:rPr lang="en-US" smtClean="0"/>
               <a:t>Click to edit Master text styles</a:t>
             </a:r>
-            <a:endParaRPr lang="en-US" smtClean="0"/>
           </a:p>
           <a:p>
             <a:pPr lvl="1"/>
@@ -1057,7 +1065,6 @@
               <a:rPr lang="en-US" smtClean="0"/>
               <a:t>Second level</a:t>
             </a:r>
-            <a:endParaRPr lang="en-US" smtClean="0"/>
           </a:p>
           <a:p>
             <a:pPr lvl="2"/>
@@ -1065,7 +1072,6 @@
               <a:rPr lang="en-US" smtClean="0"/>
               <a:t>Third level</a:t>
             </a:r>
-            <a:endParaRPr lang="en-US" smtClean="0"/>
           </a:p>
           <a:p>
             <a:pPr lvl="3"/>
@@ -1073,7 +1079,6 @@
               <a:rPr lang="en-US" smtClean="0"/>
               <a:t>Fourth level</a:t>
             </a:r>
-            <a:endParaRPr lang="en-US" smtClean="0"/>
           </a:p>
           <a:p>
             <a:pPr lvl="4"/>
@@ -1102,6 +1107,7 @@
           <a:p>
             <a:fld id="{FDE934FF-F4E1-47C5-9CA5-30A81DDE2BE4}" type="datetimeFigureOut">
               <a:rPr lang="en-US" smtClean="0"/>
+              <a:t>9/24/2017</a:t>
             </a:fld>
             <a:endParaRPr lang="en-US"/>
           </a:p>
@@ -1143,6 +1149,7 @@
           <a:p>
             <a:fld id="{B3561BA9-CDCF-4958-B8AB-66F3BF063E13}" type="slidenum">
               <a:rPr lang="en-US" smtClean="0"/>
+              <a:t>‹#›</a:t>
             </a:fld>
             <a:endParaRPr lang="en-US"/>
           </a:p>
@@ -1341,6 +1348,7 @@
           <a:p>
             <a:fld id="{FDE934FF-F4E1-47C5-9CA5-30A81DDE2BE4}" type="datetimeFigureOut">
               <a:rPr lang="en-US" smtClean="0"/>
+              <a:t>9/24/2017</a:t>
             </a:fld>
             <a:endParaRPr lang="en-US"/>
           </a:p>
@@ -1382,6 +1390,7 @@
           <a:p>
             <a:fld id="{B3561BA9-CDCF-4958-B8AB-66F3BF063E13}" type="slidenum">
               <a:rPr lang="en-US" smtClean="0"/>
+              <a:t>‹#›</a:t>
             </a:fld>
             <a:endParaRPr lang="en-US"/>
           </a:p>
@@ -1460,7 +1469,6 @@
               <a:rPr lang="en-US" smtClean="0"/>
               <a:t>Click to edit Master text styles</a:t>
             </a:r>
-            <a:endParaRPr lang="en-US" smtClean="0"/>
           </a:p>
           <a:p>
             <a:pPr lvl="1"/>
@@ -1468,7 +1476,6 @@
               <a:rPr lang="en-US" smtClean="0"/>
               <a:t>Second level</a:t>
             </a:r>
-            <a:endParaRPr lang="en-US" smtClean="0"/>
           </a:p>
           <a:p>
             <a:pPr lvl="2"/>
@@ -1476,7 +1483,6 @@
               <a:rPr lang="en-US" smtClean="0"/>
               <a:t>Third level</a:t>
             </a:r>
-            <a:endParaRPr lang="en-US" smtClean="0"/>
           </a:p>
           <a:p>
             <a:pPr lvl="3"/>
@@ -1484,7 +1490,6 @@
               <a:rPr lang="en-US" smtClean="0"/>
               <a:t>Fourth level</a:t>
             </a:r>
-            <a:endParaRPr lang="en-US" smtClean="0"/>
           </a:p>
           <a:p>
             <a:pPr lvl="4"/>
@@ -1521,7 +1526,6 @@
               <a:rPr lang="en-US" smtClean="0"/>
               <a:t>Click to edit Master text styles</a:t>
             </a:r>
-            <a:endParaRPr lang="en-US" smtClean="0"/>
           </a:p>
           <a:p>
             <a:pPr lvl="1"/>
@@ -1529,7 +1533,6 @@
               <a:rPr lang="en-US" smtClean="0"/>
               <a:t>Second level</a:t>
             </a:r>
-            <a:endParaRPr lang="en-US" smtClean="0"/>
           </a:p>
           <a:p>
             <a:pPr lvl="2"/>
@@ -1537,7 +1540,6 @@
               <a:rPr lang="en-US" smtClean="0"/>
               <a:t>Third level</a:t>
             </a:r>
-            <a:endParaRPr lang="en-US" smtClean="0"/>
           </a:p>
           <a:p>
             <a:pPr lvl="3"/>
@@ -1545,7 +1547,6 @@
               <a:rPr lang="en-US" smtClean="0"/>
               <a:t>Fourth level</a:t>
             </a:r>
-            <a:endParaRPr lang="en-US" smtClean="0"/>
           </a:p>
           <a:p>
             <a:pPr lvl="4"/>
@@ -1574,6 +1575,7 @@
           <a:p>
             <a:fld id="{FDE934FF-F4E1-47C5-9CA5-30A81DDE2BE4}" type="datetimeFigureOut">
               <a:rPr lang="en-US" smtClean="0"/>
+              <a:t>9/24/2017</a:t>
             </a:fld>
             <a:endParaRPr lang="en-US"/>
           </a:p>
@@ -1615,6 +1617,7 @@
           <a:p>
             <a:fld id="{B3561BA9-CDCF-4958-B8AB-66F3BF063E13}" type="slidenum">
               <a:rPr lang="en-US" smtClean="0"/>
+              <a:t>‹#›</a:t>
             </a:fld>
             <a:endParaRPr lang="en-US"/>
           </a:p>
@@ -1763,7 +1766,6 @@
               <a:rPr lang="en-US" smtClean="0"/>
               <a:t>Click to edit Master text styles</a:t>
             </a:r>
-            <a:endParaRPr lang="en-US" smtClean="0"/>
           </a:p>
           <a:p>
             <a:pPr lvl="1"/>
@@ -1771,7 +1773,6 @@
               <a:rPr lang="en-US" smtClean="0"/>
               <a:t>Second level</a:t>
             </a:r>
-            <a:endParaRPr lang="en-US" smtClean="0"/>
           </a:p>
           <a:p>
             <a:pPr lvl="2"/>
@@ -1779,7 +1780,6 @@
               <a:rPr lang="en-US" smtClean="0"/>
               <a:t>Third level</a:t>
             </a:r>
-            <a:endParaRPr lang="en-US" smtClean="0"/>
           </a:p>
           <a:p>
             <a:pPr lvl="3"/>
@@ -1787,7 +1787,6 @@
               <a:rPr lang="en-US" smtClean="0"/>
               <a:t>Fourth level</a:t>
             </a:r>
-            <a:endParaRPr lang="en-US" smtClean="0"/>
           </a:p>
           <a:p>
             <a:pPr lvl="4"/>
@@ -1889,7 +1888,6 @@
               <a:rPr lang="en-US" smtClean="0"/>
               <a:t>Click to edit Master text styles</a:t>
             </a:r>
-            <a:endParaRPr lang="en-US" smtClean="0"/>
           </a:p>
           <a:p>
             <a:pPr lvl="1"/>
@@ -1897,7 +1895,6 @@
               <a:rPr lang="en-US" smtClean="0"/>
               <a:t>Second level</a:t>
             </a:r>
-            <a:endParaRPr lang="en-US" smtClean="0"/>
           </a:p>
           <a:p>
             <a:pPr lvl="2"/>
@@ -1905,7 +1902,6 @@
               <a:rPr lang="en-US" smtClean="0"/>
               <a:t>Third level</a:t>
             </a:r>
-            <a:endParaRPr lang="en-US" smtClean="0"/>
           </a:p>
           <a:p>
             <a:pPr lvl="3"/>
@@ -1913,7 +1909,6 @@
               <a:rPr lang="en-US" smtClean="0"/>
               <a:t>Fourth level</a:t>
             </a:r>
-            <a:endParaRPr lang="en-US" smtClean="0"/>
           </a:p>
           <a:p>
             <a:pPr lvl="4"/>
@@ -1942,6 +1937,7 @@
           <a:p>
             <a:fld id="{FDE934FF-F4E1-47C5-9CA5-30A81DDE2BE4}" type="datetimeFigureOut">
               <a:rPr lang="en-US" smtClean="0"/>
+              <a:t>9/24/2017</a:t>
             </a:fld>
             <a:endParaRPr lang="en-US"/>
           </a:p>
@@ -1983,6 +1979,7 @@
           <a:p>
             <a:fld id="{B3561BA9-CDCF-4958-B8AB-66F3BF063E13}" type="slidenum">
               <a:rPr lang="en-US" smtClean="0"/>
+              <a:t>‹#›</a:t>
             </a:fld>
             <a:endParaRPr lang="en-US"/>
           </a:p>
@@ -2053,6 +2050,7 @@
           <a:p>
             <a:fld id="{FDE934FF-F4E1-47C5-9CA5-30A81DDE2BE4}" type="datetimeFigureOut">
               <a:rPr lang="en-US" smtClean="0"/>
+              <a:t>9/24/2017</a:t>
             </a:fld>
             <a:endParaRPr lang="en-US"/>
           </a:p>
@@ -2094,6 +2092,7 @@
           <a:p>
             <a:fld id="{B3561BA9-CDCF-4958-B8AB-66F3BF063E13}" type="slidenum">
               <a:rPr lang="en-US" smtClean="0"/>
+              <a:t>‹#›</a:t>
             </a:fld>
             <a:endParaRPr lang="en-US"/>
           </a:p>
@@ -2141,6 +2140,7 @@
           <a:p>
             <a:fld id="{FDE934FF-F4E1-47C5-9CA5-30A81DDE2BE4}" type="datetimeFigureOut">
               <a:rPr lang="en-US" smtClean="0"/>
+              <a:t>9/24/2017</a:t>
             </a:fld>
             <a:endParaRPr lang="en-US"/>
           </a:p>
@@ -2182,6 +2182,7 @@
           <a:p>
             <a:fld id="{B3561BA9-CDCF-4958-B8AB-66F3BF063E13}" type="slidenum">
               <a:rPr lang="en-US" smtClean="0"/>
+              <a:t>‹#›</a:t>
             </a:fld>
             <a:endParaRPr lang="en-US"/>
           </a:p>
@@ -2297,7 +2298,6 @@
               <a:rPr lang="en-US" smtClean="0"/>
               <a:t>Click to edit Master text styles</a:t>
             </a:r>
-            <a:endParaRPr lang="en-US" smtClean="0"/>
           </a:p>
           <a:p>
             <a:pPr lvl="1"/>
@@ -2305,7 +2305,6 @@
               <a:rPr lang="en-US" smtClean="0"/>
               <a:t>Second level</a:t>
             </a:r>
-            <a:endParaRPr lang="en-US" smtClean="0"/>
           </a:p>
           <a:p>
             <a:pPr lvl="2"/>
@@ -2313,7 +2312,6 @@
               <a:rPr lang="en-US" smtClean="0"/>
               <a:t>Third level</a:t>
             </a:r>
-            <a:endParaRPr lang="en-US" smtClean="0"/>
           </a:p>
           <a:p>
             <a:pPr lvl="3"/>
@@ -2321,7 +2319,6 @@
               <a:rPr lang="en-US" smtClean="0"/>
               <a:t>Fourth level</a:t>
             </a:r>
-            <a:endParaRPr lang="en-US" smtClean="0"/>
           </a:p>
           <a:p>
             <a:pPr lvl="4"/>
@@ -2415,6 +2412,7 @@
           <a:p>
             <a:fld id="{FDE934FF-F4E1-47C5-9CA5-30A81DDE2BE4}" type="datetimeFigureOut">
               <a:rPr lang="en-US" smtClean="0"/>
+              <a:t>9/24/2017</a:t>
             </a:fld>
             <a:endParaRPr lang="en-US"/>
           </a:p>
@@ -2456,6 +2454,7 @@
           <a:p>
             <a:fld id="{B3561BA9-CDCF-4958-B8AB-66F3BF063E13}" type="slidenum">
               <a:rPr lang="en-US" smtClean="0"/>
+              <a:t>‹#›</a:t>
             </a:fld>
             <a:endParaRPr lang="en-US"/>
           </a:p>
@@ -2661,6 +2660,7 @@
           <a:p>
             <a:fld id="{FDE934FF-F4E1-47C5-9CA5-30A81DDE2BE4}" type="datetimeFigureOut">
               <a:rPr lang="en-US" smtClean="0"/>
+              <a:t>9/24/2017</a:t>
             </a:fld>
             <a:endParaRPr lang="en-US"/>
           </a:p>
@@ -2702,6 +2702,7 @@
           <a:p>
             <a:fld id="{B3561BA9-CDCF-4958-B8AB-66F3BF063E13}" type="slidenum">
               <a:rPr lang="en-US" smtClean="0"/>
+              <a:t>‹#›</a:t>
             </a:fld>
             <a:endParaRPr lang="en-US"/>
           </a:p>
@@ -2807,7 +2808,6 @@
               <a:rPr lang="en-US" smtClean="0"/>
               <a:t>Click to edit Master text styles</a:t>
             </a:r>
-            <a:endParaRPr lang="en-US" smtClean="0"/>
           </a:p>
           <a:p>
             <a:pPr lvl="1"/>
@@ -2815,7 +2815,6 @@
               <a:rPr lang="en-US" smtClean="0"/>
               <a:t>Second level</a:t>
             </a:r>
-            <a:endParaRPr lang="en-US" smtClean="0"/>
           </a:p>
           <a:p>
             <a:pPr lvl="2"/>
@@ -2823,7 +2822,6 @@
               <a:rPr lang="en-US" smtClean="0"/>
               <a:t>Third level</a:t>
             </a:r>
-            <a:endParaRPr lang="en-US" smtClean="0"/>
           </a:p>
           <a:p>
             <a:pPr lvl="3"/>
@@ -2831,7 +2829,6 @@
               <a:rPr lang="en-US" smtClean="0"/>
               <a:t>Fourth level</a:t>
             </a:r>
-            <a:endParaRPr lang="en-US" smtClean="0"/>
           </a:p>
           <a:p>
             <a:pPr lvl="4"/>
@@ -2878,6 +2875,7 @@
           <a:p>
             <a:fld id="{FDE934FF-F4E1-47C5-9CA5-30A81DDE2BE4}" type="datetimeFigureOut">
               <a:rPr lang="en-US" smtClean="0"/>
+              <a:t>9/24/2017</a:t>
             </a:fld>
             <a:endParaRPr lang="en-US"/>
           </a:p>
@@ -2955,6 +2953,7 @@
           <a:p>
             <a:fld id="{B3561BA9-CDCF-4958-B8AB-66F3BF063E13}" type="slidenum">
               <a:rPr lang="en-US" smtClean="0"/>
+              <a:t>‹#›</a:t>
             </a:fld>
             <a:endParaRPr lang="en-US"/>
           </a:p>
@@ -3294,7 +3293,7 @@
         </p:spPr>
         <p:txBody>
           <a:bodyPr>
-            <a:normAutofit lnSpcReduction="10000"/>
+            <a:normAutofit/>
           </a:bodyPr>
           <a:lstStyle/>
           <a:p>
@@ -3306,10 +3305,6 @@
               </a:rPr>
               <a:t>Jiechao Cheng, Rui Ren </a:t>
             </a:r>
-            <a:endParaRPr lang="x-none" altLang="en-US" sz="2200">
-              <a:latin typeface="+mn-ea"/>
-              <a:sym typeface="+mn-ea"/>
-            </a:endParaRPr>
           </a:p>
           <a:p>
             <a:pPr algn="ctr"/>
@@ -3320,10 +3315,6 @@
               </a:rPr>
               <a:t>jetrobert19@gmail.com</a:t>
             </a:r>
-            <a:endParaRPr lang="x-none" altLang="en-US" sz="1800">
-              <a:latin typeface="+mn-ea"/>
-              <a:sym typeface="+mn-ea"/>
-            </a:endParaRPr>
           </a:p>
         </p:txBody>
       </p:sp>
@@ -3345,7 +3336,7 @@
         </p:spPr>
         <p:txBody>
           <a:bodyPr>
-            <a:normAutofit fontScale="90000"/>
+            <a:normAutofit/>
           </a:bodyPr>
           <a:lstStyle/>
           <a:p>
@@ -3356,9 +3347,6 @@
               </a:rPr>
               <a:t>Deep Convolutional Neural Networks for Anomaly Event Classification on Distributed Systems</a:t>
             </a:r>
-            <a:endParaRPr lang="x-none" altLang="en-US" sz="4800">
-              <a:latin typeface="+mn-ea"/>
-            </a:endParaRPr>
           </a:p>
         </p:txBody>
       </p:sp>
@@ -3411,107 +3399,118 @@
           <a:p>
             <a:pPr algn="l"/>
             <a:r>
-              <a:rPr lang="x-none" altLang="en-US" sz="2000" b="1">
+              <a:rPr lang="x-none" altLang="en-US" sz="2000" b="1" dirty="0">
                 <a:latin typeface="+mn-ea"/>
                 <a:sym typeface="+mn-ea"/>
               </a:rPr>
               <a:t>Background:</a:t>
             </a:r>
-            <a:endParaRPr lang="x-none" altLang="en-US" sz="2000" b="1">
-              <a:latin typeface="+mn-ea"/>
-              <a:sym typeface="+mn-ea"/>
-            </a:endParaRPr>
           </a:p>
           <a:p>
             <a:pPr algn="l"/>
             <a:r>
-              <a:rPr lang="x-none" altLang="en-US" sz="2000">
+              <a:rPr lang="x-none" altLang="en-US" sz="2000" dirty="0">
                 <a:latin typeface="+mn-ea"/>
                 <a:sym typeface="+mn-ea"/>
               </a:rPr>
               <a:t>Anomaly classification facilitates the anomaly detection of system operations and states, which including system events like unauthorized access or unexpected data wrote in the system. </a:t>
             </a:r>
-            <a:endParaRPr lang="x-none" altLang="en-US" sz="2000">
+          </a:p>
+          <a:p>
+            <a:pPr algn="l"/>
+            <a:endParaRPr lang="x-none" altLang="en-US" sz="2000" dirty="0">
               <a:latin typeface="+mn-ea"/>
               <a:sym typeface="+mn-ea"/>
             </a:endParaRPr>
           </a:p>
           <a:p>
             <a:pPr algn="l"/>
-            <a:endParaRPr lang="x-none" altLang="en-US" sz="2000">
-              <a:latin typeface="+mn-ea"/>
-              <a:sym typeface="+mn-ea"/>
-            </a:endParaRPr>
-          </a:p>
-          <a:p>
-            <a:pPr algn="l"/>
-            <a:r>
-              <a:rPr lang="x-none" altLang="en-US" sz="2000" b="1">
+            <a:r>
+              <a:rPr lang="x-none" altLang="en-US" sz="2000" b="1" dirty="0">
                 <a:latin typeface="+mn-ea"/>
                 <a:sym typeface="+mn-ea"/>
               </a:rPr>
               <a:t>Motivative:</a:t>
             </a:r>
             <a:r>
-              <a:rPr lang="x-none" altLang="en-US" sz="2000">
+              <a:rPr lang="x-none" altLang="en-US" sz="2000" dirty="0">
                 <a:latin typeface="+mn-ea"/>
                 <a:sym typeface="+mn-ea"/>
               </a:rPr>
               <a:t> </a:t>
             </a:r>
-            <a:endParaRPr lang="x-none" altLang="en-US" sz="2000">
-              <a:latin typeface="+mn-ea"/>
-              <a:sym typeface="+mn-ea"/>
-            </a:endParaRPr>
           </a:p>
           <a:p>
             <a:pPr algn="l"/>
             <a:r>
-              <a:rPr lang="x-none" altLang="en-US" sz="2000">
+              <a:rPr lang="x-none" altLang="en-US" sz="2000" dirty="0">
                 <a:latin typeface="+mn-ea"/>
                 <a:sym typeface="+mn-ea"/>
               </a:rPr>
               <a:t>Effectively categorize the records of abnormal operations, which can indicate problems of an application or server.</a:t>
             </a:r>
-            <a:endParaRPr lang="x-none" altLang="en-US" sz="2000">
+          </a:p>
+          <a:p>
+            <a:pPr algn="l"/>
+            <a:endParaRPr lang="x-none" altLang="en-US" sz="2000" b="1" dirty="0">
               <a:latin typeface="+mn-ea"/>
               <a:sym typeface="+mn-ea"/>
             </a:endParaRPr>
           </a:p>
           <a:p>
             <a:pPr algn="l"/>
-            <a:endParaRPr lang="x-none" altLang="en-US" sz="2000" b="1">
-              <a:latin typeface="+mn-ea"/>
-              <a:sym typeface="+mn-ea"/>
-            </a:endParaRPr>
-          </a:p>
-          <a:p>
-            <a:pPr algn="l"/>
-            <a:r>
-              <a:rPr lang="x-none" altLang="en-US" sz="2000" b="1">
+            <a:r>
+              <a:rPr lang="x-none" altLang="en-US" sz="2000" b="1" dirty="0">
                 <a:latin typeface="+mn-ea"/>
                 <a:sym typeface="+mn-ea"/>
               </a:rPr>
               <a:t>Method:</a:t>
             </a:r>
-            <a:endParaRPr lang="x-none" altLang="en-US" sz="2000" b="1">
-              <a:latin typeface="+mn-ea"/>
-              <a:sym typeface="+mn-ea"/>
-            </a:endParaRPr>
           </a:p>
           <a:p>
             <a:pPr algn="l"/>
             <a:r>
-              <a:rPr lang="x-none" altLang="en-US" sz="2000">
+              <a:rPr lang="en-US" altLang="en-US" sz="2000" dirty="0">
                 <a:latin typeface="+mn-ea"/>
                 <a:sym typeface="+mn-ea"/>
               </a:rPr>
-              <a:t>we employ Deep CNN architectures to build data-driven models for automated classification and predictions of the anomaly events detected from distributed system.</a:t>
-            </a:r>
-            <a:endParaRPr lang="x-none" altLang="en-US" sz="2000">
-              <a:latin typeface="+mn-ea"/>
-              <a:sym typeface="+mn-ea"/>
-            </a:endParaRPr>
+              <a:t>W</a:t>
+            </a:r>
+            <a:r>
+              <a:rPr lang="x-none" altLang="en-US" sz="2000" dirty="0" smtClean="0">
+                <a:latin typeface="+mn-ea"/>
+                <a:sym typeface="+mn-ea"/>
+              </a:rPr>
+              <a:t>e </a:t>
+            </a:r>
+            <a:r>
+              <a:rPr lang="x-none" altLang="en-US" sz="2000" dirty="0">
+                <a:latin typeface="+mn-ea"/>
+                <a:sym typeface="+mn-ea"/>
+              </a:rPr>
+              <a:t>employ </a:t>
+            </a:r>
+            <a:r>
+              <a:rPr lang="en-US" altLang="en-US" sz="2000" dirty="0" smtClean="0">
+                <a:latin typeface="+mn-ea"/>
+                <a:sym typeface="+mn-ea"/>
+              </a:rPr>
+              <a:t>d</a:t>
+            </a:r>
+            <a:r>
+              <a:rPr lang="x-none" altLang="en-US" sz="2000" dirty="0" smtClean="0">
+                <a:latin typeface="+mn-ea"/>
+                <a:sym typeface="+mn-ea"/>
+              </a:rPr>
+              <a:t>eep </a:t>
+            </a:r>
+            <a:r>
+              <a:rPr lang="x-none" altLang="en-US" sz="2000" dirty="0">
+                <a:latin typeface="+mn-ea"/>
+                <a:sym typeface="+mn-ea"/>
+              </a:rPr>
+              <a:t>CNN architectures to build data-driven models for automated classification and predictions of the anomaly events detected from distributed system.</a:t>
+            </a:r>
           </a:p>
         </p:txBody>
       </p:sp>
@@ -3590,19 +3589,46 @@
         </p:spPr>
         <p:txBody>
           <a:bodyPr>
-            <a:normAutofit fontScale="90000" lnSpcReduction="10000"/>
+            <a:normAutofit fontScale="97500" lnSpcReduction="10000"/>
           </a:bodyPr>
           <a:lstStyle/>
           <a:p>
             <a:pPr algn="l"/>
             <a:r>
-              <a:rPr lang="x-none" altLang="en-US" sz="2000" b="1">
+              <a:rPr lang="x-none" altLang="en-US" sz="2000" b="1" dirty="0">
                 <a:latin typeface="+mn-ea"/>
                 <a:sym typeface="+mn-ea"/>
               </a:rPr>
               <a:t>Dataset:</a:t>
             </a:r>
-            <a:endParaRPr lang="x-none" altLang="en-US" sz="2000" b="1">
+          </a:p>
+          <a:p>
+            <a:pPr algn="l"/>
+            <a:r>
+              <a:rPr lang="x-none" altLang="en-US" sz="2000" dirty="0">
+                <a:latin typeface="+mn-ea"/>
+                <a:sym typeface="+mn-ea"/>
+              </a:rPr>
+              <a:t>Hundreds of thousands of event-wise text logs spanning a period of a couple of months with consecutive days, preprocess, convert to </a:t>
+            </a:r>
+            <a:r>
+              <a:rPr lang="x-none" altLang="en-US" sz="2000" dirty="0" smtClean="0">
+                <a:latin typeface="+mn-ea"/>
+                <a:sym typeface="+mn-ea"/>
+              </a:rPr>
+              <a:t>numerical </a:t>
+            </a:r>
+            <a:r>
+              <a:rPr lang="x-none" altLang="en-US" sz="2000" dirty="0">
+                <a:latin typeface="+mn-ea"/>
+                <a:sym typeface="+mn-ea"/>
+              </a:rPr>
+              <a:t>event-wise features, then normalize, as the input fed to the neural network.</a:t>
+            </a:r>
+          </a:p>
+          <a:p>
+            <a:pPr algn="l"/>
+            <a:endParaRPr lang="x-none" altLang="en-US" sz="2000" dirty="0">
               <a:latin typeface="+mn-ea"/>
               <a:sym typeface="+mn-ea"/>
             </a:endParaRPr>
@@ -3610,135 +3636,156 @@
           <a:p>
             <a:pPr algn="l"/>
             <a:r>
-              <a:rPr lang="x-none" altLang="en-US" sz="2000">
+              <a:rPr lang="x-none" altLang="en-US" sz="2000" dirty="0">
                 <a:latin typeface="+mn-ea"/>
                 <a:sym typeface="+mn-ea"/>
               </a:rPr>
-              <a:t>Hundreds of thousands of event-wise text logs spanning a period of a couple of months with consecutive days, preprocess, convert to numerically event-wise features, then normalize, as the input fed to the neural network.</a:t>
-            </a:r>
-            <a:endParaRPr lang="x-none" altLang="en-US" sz="2000">
+              <a:t>Totally 14 different classes of anomaly events </a:t>
+            </a:r>
+            <a:r>
+              <a:rPr lang="x-none" altLang="en-US" sz="2000" dirty="0" smtClean="0">
+                <a:latin typeface="+mn-ea"/>
+                <a:sym typeface="+mn-ea"/>
+              </a:rPr>
+              <a:t>(</a:t>
+            </a:r>
+            <a:r>
+              <a:rPr lang="en-US" altLang="en-US" sz="2000" dirty="0" err="1" smtClean="0">
+                <a:latin typeface="+mn-ea"/>
+                <a:sym typeface="+mn-ea"/>
+              </a:rPr>
+              <a:t>e.g</a:t>
+            </a:r>
+            <a:r>
+              <a:rPr lang="x-none" altLang="en-US" sz="2000" dirty="0" smtClean="0">
+                <a:latin typeface="+mn-ea"/>
+                <a:sym typeface="+mn-ea"/>
+              </a:rPr>
+              <a:t>., </a:t>
+            </a:r>
+            <a:r>
+              <a:rPr lang="x-none" altLang="en-US" sz="2000" dirty="0">
+                <a:latin typeface="+mn-ea"/>
+                <a:sym typeface="+mn-ea"/>
+              </a:rPr>
+              <a:t>network, database, memory, driver, security, disk).</a:t>
+            </a:r>
+          </a:p>
+          <a:p>
+            <a:pPr algn="l"/>
+            <a:endParaRPr lang="x-none" altLang="en-US" sz="2000" dirty="0">
               <a:latin typeface="+mn-ea"/>
               <a:sym typeface="+mn-ea"/>
             </a:endParaRPr>
           </a:p>
           <a:p>
             <a:pPr algn="l"/>
-            <a:endParaRPr lang="x-none" altLang="en-US" sz="2000">
-              <a:latin typeface="+mn-ea"/>
-              <a:sym typeface="+mn-ea"/>
-            </a:endParaRPr>
-          </a:p>
-          <a:p>
-            <a:pPr algn="l"/>
-            <a:r>
-              <a:rPr lang="x-none" altLang="en-US" sz="2000">
-                <a:latin typeface="+mn-ea"/>
-                <a:sym typeface="+mn-ea"/>
-              </a:rPr>
-              <a:t>Totally 14 different classes of anomaly events (i.e., network, database, memory, driver, security, disk).</a:t>
-            </a:r>
-            <a:endParaRPr lang="x-none" altLang="en-US" sz="2000">
-              <a:latin typeface="+mn-ea"/>
-              <a:sym typeface="+mn-ea"/>
-            </a:endParaRPr>
-          </a:p>
-          <a:p>
-            <a:pPr algn="l"/>
-            <a:endParaRPr lang="x-none" altLang="en-US" sz="2000">
-              <a:latin typeface="+mn-ea"/>
-              <a:sym typeface="+mn-ea"/>
-            </a:endParaRPr>
-          </a:p>
-          <a:p>
-            <a:pPr algn="l"/>
-            <a:r>
-              <a:rPr lang="x-none" altLang="en-US" sz="2000" b="1">
+            <a:r>
+              <a:rPr lang="x-none" altLang="en-US" sz="2000" b="1" dirty="0">
                 <a:latin typeface="+mn-ea"/>
                 <a:sym typeface="+mn-ea"/>
               </a:rPr>
               <a:t>Model Implementation:</a:t>
             </a:r>
-            <a:endParaRPr lang="x-none" altLang="en-US" sz="2000" b="1">
-              <a:latin typeface="+mn-ea"/>
-              <a:sym typeface="+mn-ea"/>
-            </a:endParaRPr>
           </a:p>
           <a:p>
             <a:pPr algn="l"/>
             <a:r>
-              <a:rPr lang="x-none" altLang="en-US" sz="2000">
+              <a:rPr lang="x-none" altLang="en-US" sz="2000" dirty="0">
                 <a:latin typeface="+mn-ea"/>
                 <a:sym typeface="+mn-ea"/>
               </a:rPr>
-              <a:t>conv-layer + fully-conn layer (i.e., 2+1, 3+2, 5+3), inspired by LeNet, AlexNet and VGG-16 </a:t>
-            </a:r>
-            <a:endParaRPr lang="x-none" altLang="en-US" sz="2000">
-              <a:latin typeface="+mn-ea"/>
-              <a:sym typeface="+mn-ea"/>
-            </a:endParaRPr>
+              <a:t>conv-layer + fully-conn layer </a:t>
+            </a:r>
+            <a:r>
+              <a:rPr lang="x-none" altLang="en-US" sz="2000" dirty="0" smtClean="0">
+                <a:latin typeface="+mn-ea"/>
+                <a:sym typeface="+mn-ea"/>
+              </a:rPr>
+              <a:t>(</a:t>
+            </a:r>
+            <a:r>
+              <a:rPr lang="en-US" altLang="en-US" sz="2000" dirty="0" smtClean="0">
+                <a:latin typeface="+mn-ea"/>
+                <a:sym typeface="+mn-ea"/>
+              </a:rPr>
+              <a:t>e</a:t>
+            </a:r>
+            <a:r>
+              <a:rPr lang="x-none" altLang="en-US" sz="2000" dirty="0" smtClean="0">
+                <a:latin typeface="+mn-ea"/>
+                <a:sym typeface="+mn-ea"/>
+              </a:rPr>
+              <a:t>.</a:t>
+            </a:r>
+            <a:r>
+              <a:rPr lang="en-US" altLang="en-US" sz="2000" dirty="0" smtClean="0">
+                <a:latin typeface="+mn-ea"/>
+                <a:sym typeface="+mn-ea"/>
+              </a:rPr>
+              <a:t>g</a:t>
+            </a:r>
+            <a:r>
+              <a:rPr lang="x-none" altLang="en-US" sz="2000" dirty="0" smtClean="0">
+                <a:latin typeface="+mn-ea"/>
+                <a:sym typeface="+mn-ea"/>
+              </a:rPr>
+              <a:t>., </a:t>
+            </a:r>
+            <a:r>
+              <a:rPr lang="x-none" altLang="en-US" sz="2000" dirty="0">
+                <a:latin typeface="+mn-ea"/>
+                <a:sym typeface="+mn-ea"/>
+              </a:rPr>
+              <a:t>2+1, 3+2, 5+3), inspired by LeNet, AlexNet and VGG-16 </a:t>
+            </a:r>
           </a:p>
           <a:p>
             <a:pPr algn="l"/>
             <a:r>
-              <a:rPr lang="x-none" altLang="en-US" sz="2000">
+              <a:rPr lang="x-none" altLang="en-US" sz="2000" dirty="0">
                 <a:latin typeface="+mn-ea"/>
                 <a:sym typeface="+mn-ea"/>
               </a:rPr>
               <a:t>Hyper-parameter</a:t>
             </a:r>
-            <a:endParaRPr lang="x-none" altLang="en-US" sz="2000">
-              <a:latin typeface="+mn-ea"/>
-              <a:sym typeface="+mn-ea"/>
-            </a:endParaRPr>
           </a:p>
           <a:p>
             <a:pPr algn="l"/>
             <a:r>
-              <a:rPr lang="x-none" altLang="en-US" sz="2000">
+              <a:rPr lang="x-none" altLang="en-US" sz="2000" dirty="0">
                 <a:latin typeface="+mn-ea"/>
                 <a:sym typeface="+mn-ea"/>
               </a:rPr>
               <a:t>    learning rate: 0.1~0.0001    |    hidden layer size: 16~128    |    dropout: 0.25~1.0</a:t>
             </a:r>
-            <a:endParaRPr lang="x-none" altLang="en-US" sz="2000">
+          </a:p>
+          <a:p>
+            <a:pPr algn="l"/>
+            <a:endParaRPr lang="x-none" altLang="en-US" sz="2000" dirty="0">
               <a:latin typeface="+mn-ea"/>
               <a:sym typeface="+mn-ea"/>
             </a:endParaRPr>
           </a:p>
           <a:p>
             <a:pPr algn="l"/>
-            <a:endParaRPr lang="x-none" altLang="en-US" sz="2000">
-              <a:latin typeface="+mn-ea"/>
-              <a:sym typeface="+mn-ea"/>
-            </a:endParaRPr>
-          </a:p>
-          <a:p>
-            <a:pPr algn="l"/>
-            <a:r>
-              <a:rPr lang="x-none" altLang="en-US" sz="2000" b="1">
+            <a:r>
+              <a:rPr lang="x-none" altLang="en-US" sz="2000" b="1" dirty="0">
                 <a:latin typeface="+mn-ea"/>
                 <a:sym typeface="+mn-ea"/>
               </a:rPr>
               <a:t>Evaluation Metrics:</a:t>
             </a:r>
-            <a:endParaRPr lang="x-none" altLang="en-US" sz="2000" b="1">
-              <a:latin typeface="+mn-ea"/>
-              <a:sym typeface="+mn-ea"/>
-            </a:endParaRPr>
           </a:p>
           <a:p>
             <a:pPr algn="l"/>
             <a:r>
-              <a:rPr lang="x-none" altLang="en-US" sz="2000">
+              <a:rPr lang="x-none" altLang="en-US" sz="2000" dirty="0">
                 <a:latin typeface="+mn-ea"/>
                 <a:sym typeface="+mn-ea"/>
               </a:rPr>
               <a:t>Best accuracy, recall, precision, f1-score</a:t>
             </a:r>
-            <a:endParaRPr lang="x-none" altLang="en-US" sz="2000">
-              <a:latin typeface="+mn-ea"/>
-              <a:sym typeface="+mn-ea"/>
-            </a:endParaRPr>
           </a:p>
         </p:txBody>
       </p:sp>
@@ -3906,10 +3953,6 @@
               </a:rPr>
               <a:t>Macroarchitecture of VGG-16 (Fig. from Davi Frossard)</a:t>
             </a:r>
-            <a:endParaRPr lang="x-none" altLang="en-US" sz="2000">
-              <a:latin typeface="+mn-ea"/>
-              <a:sym typeface="+mn-ea"/>
-            </a:endParaRPr>
           </a:p>
         </p:txBody>
       </p:sp>
@@ -3954,7 +3997,7 @@
           <p:nvPr/>
         </p:nvPicPr>
         <p:blipFill>
-          <a:blip r:embed="rId1"/>
+          <a:blip r:embed="rId2"/>
           <a:stretch>
             <a:fillRect/>
           </a:stretch>
